--- a/Ansible_training.pptx
+++ b/Ansible_training.pptx
@@ -6,24 +6,25 @@
   </p:sldMasterIdLst>
   <p:sldIdLst>
     <p:sldId id="256" r:id="rId2"/>
-    <p:sldId id="257" r:id="rId3"/>
-    <p:sldId id="265" r:id="rId4"/>
-    <p:sldId id="259" r:id="rId5"/>
-    <p:sldId id="263" r:id="rId6"/>
-    <p:sldId id="258" r:id="rId7"/>
-    <p:sldId id="262" r:id="rId8"/>
-    <p:sldId id="266" r:id="rId9"/>
-    <p:sldId id="268" r:id="rId10"/>
-    <p:sldId id="267" r:id="rId11"/>
-    <p:sldId id="274" r:id="rId12"/>
-    <p:sldId id="270" r:id="rId13"/>
-    <p:sldId id="275" r:id="rId14"/>
-    <p:sldId id="264" r:id="rId15"/>
-    <p:sldId id="273" r:id="rId16"/>
-    <p:sldId id="261" r:id="rId17"/>
-    <p:sldId id="277" r:id="rId18"/>
-    <p:sldId id="260" r:id="rId19"/>
-    <p:sldId id="276" r:id="rId20"/>
+    <p:sldId id="278" r:id="rId3"/>
+    <p:sldId id="257" r:id="rId4"/>
+    <p:sldId id="265" r:id="rId5"/>
+    <p:sldId id="259" r:id="rId6"/>
+    <p:sldId id="263" r:id="rId7"/>
+    <p:sldId id="258" r:id="rId8"/>
+    <p:sldId id="262" r:id="rId9"/>
+    <p:sldId id="266" r:id="rId10"/>
+    <p:sldId id="268" r:id="rId11"/>
+    <p:sldId id="267" r:id="rId12"/>
+    <p:sldId id="274" r:id="rId13"/>
+    <p:sldId id="270" r:id="rId14"/>
+    <p:sldId id="275" r:id="rId15"/>
+    <p:sldId id="264" r:id="rId16"/>
+    <p:sldId id="273" r:id="rId17"/>
+    <p:sldId id="261" r:id="rId18"/>
+    <p:sldId id="277" r:id="rId19"/>
+    <p:sldId id="260" r:id="rId20"/>
+    <p:sldId id="276" r:id="rId21"/>
   </p:sldIdLst>
   <p:sldSz cx="12192000" cy="6858000"/>
   <p:notesSz cx="6858000" cy="9144000"/>
@@ -128,6 +129,7 @@
         <p14:section name="Default Section" id="{00778997-64CE-48B7-B615-209F184A3F61}">
           <p14:sldIdLst>
             <p14:sldId id="256"/>
+            <p14:sldId id="278"/>
           </p14:sldIdLst>
         </p14:section>
         <p14:section name="Untitled Section" id="{44501C52-7D18-483F-9614-B4E4F1EC02F9}">
@@ -9809,7 +9811,7 @@
             </a:pPr>
             <a:r>
               <a:rPr lang="en-US" sz="1600" dirty="0"/>
-              <a:t>By : Faraj Khalid Khan</a:t>
+              <a:t>By : Nik</a:t>
             </a:r>
           </a:p>
         </p:txBody>
@@ -9849,6 +9851,114 @@
           <p:cNvPr id="2" name="Title 1">
             <a:extLst>
               <a:ext uri="{FF2B5EF4-FFF2-40B4-BE49-F238E27FC236}">
+                <a16:creationId xmlns:a16="http://schemas.microsoft.com/office/drawing/2014/main" id="{82ED268B-8BC8-197A-789E-3EB2E33D5A09}"/>
+              </a:ext>
+            </a:extLst>
+          </p:cNvPr>
+          <p:cNvSpPr>
+            <a:spLocks noGrp="1"/>
+          </p:cNvSpPr>
+          <p:nvPr>
+            <p:ph type="title"/>
+          </p:nvPr>
+        </p:nvSpPr>
+        <p:spPr/>
+        <p:txBody>
+          <a:bodyPr/>
+          <a:lstStyle/>
+          <a:p>
+            <a:r>
+              <a:rPr lang="en-US" dirty="0"/>
+              <a:t>Ansible Internal - Playbook</a:t>
+            </a:r>
+          </a:p>
+        </p:txBody>
+      </p:sp>
+      <p:sp>
+        <p:nvSpPr>
+          <p:cNvPr id="3" name="Content Placeholder 2">
+            <a:extLst>
+              <a:ext uri="{FF2B5EF4-FFF2-40B4-BE49-F238E27FC236}">
+                <a16:creationId xmlns:a16="http://schemas.microsoft.com/office/drawing/2014/main" id="{95B490B6-9D76-23B4-D162-40DD80811C17}"/>
+              </a:ext>
+            </a:extLst>
+          </p:cNvPr>
+          <p:cNvSpPr>
+            <a:spLocks noGrp="1"/>
+          </p:cNvSpPr>
+          <p:nvPr>
+            <p:ph idx="1"/>
+          </p:nvPr>
+        </p:nvSpPr>
+        <p:spPr>
+          <a:xfrm>
+            <a:off x="514351" y="2586038"/>
+            <a:ext cx="10131425" cy="2447925"/>
+          </a:xfrm>
+        </p:spPr>
+        <p:txBody>
+          <a:bodyPr>
+            <a:normAutofit/>
+          </a:bodyPr>
+          <a:lstStyle/>
+          <a:p>
+            <a:r>
+              <a:rPr lang="en-US" sz="2400" dirty="0"/>
+              <a:t>a file where users write Ansible code </a:t>
+            </a:r>
+          </a:p>
+          <a:p>
+            <a:r>
+              <a:rPr lang="en-US" sz="2400" dirty="0"/>
+              <a:t>describe a set of steps in YAML and jinja templating</a:t>
+            </a:r>
+          </a:p>
+          <a:p>
+            <a:r>
+              <a:rPr lang="en-US" sz="2400" dirty="0"/>
+              <a:t>an organized collection of scripts defining the Job</a:t>
+            </a:r>
+          </a:p>
+          <a:p>
+            <a:endParaRPr lang="en-US" sz="2400" dirty="0"/>
+          </a:p>
+        </p:txBody>
+      </p:sp>
+    </p:spTree>
+    <p:extLst>
+      <p:ext uri="{BB962C8B-B14F-4D97-AF65-F5344CB8AC3E}">
+        <p14:creationId xmlns:p14="http://schemas.microsoft.com/office/powerpoint/2010/main" val="2096226784"/>
+      </p:ext>
+    </p:extLst>
+  </p:cSld>
+  <p:clrMapOvr>
+    <a:masterClrMapping/>
+  </p:clrMapOvr>
+</p:sld>
+</file>
+
+<file path=ppt/slides/slide11.xml><?xml version="1.0" encoding="utf-8"?>
+<p:sld xmlns:a="http://schemas.openxmlformats.org/drawingml/2006/main" xmlns:r="http://schemas.openxmlformats.org/officeDocument/2006/relationships" xmlns:p="http://schemas.openxmlformats.org/presentationml/2006/main">
+  <p:cSld>
+    <p:spTree>
+      <p:nvGrpSpPr>
+        <p:cNvPr id="1" name=""/>
+        <p:cNvGrpSpPr/>
+        <p:nvPr/>
+      </p:nvGrpSpPr>
+      <p:grpSpPr>
+        <a:xfrm>
+          <a:off x="0" y="0"/>
+          <a:ext cx="0" cy="0"/>
+          <a:chOff x="0" y="0"/>
+          <a:chExt cx="0" cy="0"/>
+        </a:xfrm>
+      </p:grpSpPr>
+      <p:sp>
+        <p:nvSpPr>
+          <p:cNvPr id="2" name="Title 1">
+            <a:extLst>
+              <a:ext uri="{FF2B5EF4-FFF2-40B4-BE49-F238E27FC236}">
                 <a16:creationId xmlns:a16="http://schemas.microsoft.com/office/drawing/2014/main" id="{2DEAEDF7-AC16-2952-C5D0-5CABA6B60F91}"/>
               </a:ext>
             </a:extLst>
@@ -10300,7 +10410,7 @@
 </p:sld>
 </file>
 
-<file path=ppt/slides/slide11.xml><?xml version="1.0" encoding="utf-8"?>
+<file path=ppt/slides/slide12.xml><?xml version="1.0" encoding="utf-8"?>
 <p:sld xmlns:a="http://schemas.openxmlformats.org/drawingml/2006/main" xmlns:r="http://schemas.openxmlformats.org/officeDocument/2006/relationships" xmlns:p="http://schemas.openxmlformats.org/presentationml/2006/main">
   <p:cSld>
     <p:bg>
@@ -10455,7 +10565,7 @@
 </p:sld>
 </file>
 
-<file path=ppt/slides/slide12.xml><?xml version="1.0" encoding="utf-8"?>
+<file path=ppt/slides/slide13.xml><?xml version="1.0" encoding="utf-8"?>
 <p:sld xmlns:a="http://schemas.openxmlformats.org/drawingml/2006/main" xmlns:r="http://schemas.openxmlformats.org/officeDocument/2006/relationships" xmlns:p="http://schemas.openxmlformats.org/presentationml/2006/main">
   <p:cSld>
     <p:bg>
@@ -10613,7 +10723,7 @@
 </p:sld>
 </file>
 
-<file path=ppt/slides/slide13.xml><?xml version="1.0" encoding="utf-8"?>
+<file path=ppt/slides/slide14.xml><?xml version="1.0" encoding="utf-8"?>
 <p:sld xmlns:a="http://schemas.openxmlformats.org/drawingml/2006/main" xmlns:r="http://schemas.openxmlformats.org/officeDocument/2006/relationships" xmlns:p="http://schemas.openxmlformats.org/presentationml/2006/main">
   <p:cSld>
     <p:spTree>
@@ -10724,7 +10834,7 @@
 </p:sld>
 </file>
 
-<file path=ppt/slides/slide14.xml><?xml version="1.0" encoding="utf-8"?>
+<file path=ppt/slides/slide15.xml><?xml version="1.0" encoding="utf-8"?>
 <p:sld xmlns:a="http://schemas.openxmlformats.org/drawingml/2006/main" xmlns:r="http://schemas.openxmlformats.org/officeDocument/2006/relationships" xmlns:p="http://schemas.openxmlformats.org/presentationml/2006/main">
   <p:cSld>
     <p:spTree>
@@ -11868,7 +11978,7 @@
 </p:sld>
 </file>
 
-<file path=ppt/slides/slide15.xml><?xml version="1.0" encoding="utf-8"?>
+<file path=ppt/slides/slide16.xml><?xml version="1.0" encoding="utf-8"?>
 <p:sld xmlns:a="http://schemas.openxmlformats.org/drawingml/2006/main" xmlns:r="http://schemas.openxmlformats.org/officeDocument/2006/relationships" xmlns:p="http://schemas.openxmlformats.org/presentationml/2006/main">
   <p:cSld>
     <p:spTree>
@@ -12022,7 +12132,7 @@
 </p:sld>
 </file>
 
-<file path=ppt/slides/slide16.xml><?xml version="1.0" encoding="utf-8"?>
+<file path=ppt/slides/slide17.xml><?xml version="1.0" encoding="utf-8"?>
 <p:sld xmlns:a="http://schemas.openxmlformats.org/drawingml/2006/main" xmlns:r="http://schemas.openxmlformats.org/officeDocument/2006/relationships" xmlns:p="http://schemas.openxmlformats.org/presentationml/2006/main">
   <p:cSld>
     <p:spTree>
@@ -12112,7 +12222,7 @@
 </p:sld>
 </file>
 
-<file path=ppt/slides/slide17.xml><?xml version="1.0" encoding="utf-8"?>
+<file path=ppt/slides/slide18.xml><?xml version="1.0" encoding="utf-8"?>
 <p:sld xmlns:a="http://schemas.openxmlformats.org/drawingml/2006/main" xmlns:r="http://schemas.openxmlformats.org/officeDocument/2006/relationships" xmlns:p="http://schemas.openxmlformats.org/presentationml/2006/main">
   <p:cSld>
     <p:spTree>
@@ -12205,7 +12315,7 @@
 </p:sld>
 </file>
 
-<file path=ppt/slides/slide18.xml><?xml version="1.0" encoding="utf-8"?>
+<file path=ppt/slides/slide19.xml><?xml version="1.0" encoding="utf-8"?>
 <p:sld xmlns:a="http://schemas.openxmlformats.org/drawingml/2006/main" xmlns:r="http://schemas.openxmlformats.org/officeDocument/2006/relationships" xmlns:p="http://schemas.openxmlformats.org/presentationml/2006/main">
   <p:cSld>
     <p:spTree>
@@ -12276,7 +12386,145 @@
 </p:sld>
 </file>
 
-<file path=ppt/slides/slide19.xml><?xml version="1.0" encoding="utf-8"?>
+<file path=ppt/slides/slide2.xml><?xml version="1.0" encoding="utf-8"?>
+<p:sld xmlns:a="http://schemas.openxmlformats.org/drawingml/2006/main" xmlns:r="http://schemas.openxmlformats.org/officeDocument/2006/relationships" xmlns:p="http://schemas.openxmlformats.org/presentationml/2006/main">
+  <p:cSld>
+    <p:spTree>
+      <p:nvGrpSpPr>
+        <p:cNvPr id="1" name=""/>
+        <p:cNvGrpSpPr/>
+        <p:nvPr/>
+      </p:nvGrpSpPr>
+      <p:grpSpPr>
+        <a:xfrm>
+          <a:off x="0" y="0"/>
+          <a:ext cx="0" cy="0"/>
+          <a:chOff x="0" y="0"/>
+          <a:chExt cx="0" cy="0"/>
+        </a:xfrm>
+      </p:grpSpPr>
+      <p:sp>
+        <p:nvSpPr>
+          <p:cNvPr id="2" name="Title 1">
+            <a:extLst>
+              <a:ext uri="{FF2B5EF4-FFF2-40B4-BE49-F238E27FC236}">
+                <a16:creationId xmlns:a16="http://schemas.microsoft.com/office/drawing/2014/main" id="{58D082C7-1205-8965-E587-875341F06F57}"/>
+              </a:ext>
+            </a:extLst>
+          </p:cNvPr>
+          <p:cNvSpPr>
+            <a:spLocks noGrp="1"/>
+          </p:cNvSpPr>
+          <p:nvPr>
+            <p:ph type="title"/>
+          </p:nvPr>
+        </p:nvSpPr>
+        <p:spPr>
+          <a:xfrm>
+            <a:off x="913795" y="609600"/>
+            <a:ext cx="10145370" cy="846276"/>
+          </a:xfrm>
+        </p:spPr>
+        <p:txBody>
+          <a:bodyPr/>
+          <a:lstStyle/>
+          <a:p>
+            <a:r>
+              <a:rPr lang="en-US" dirty="0"/>
+              <a:t>About me</a:t>
+            </a:r>
+          </a:p>
+        </p:txBody>
+      </p:sp>
+      <p:sp>
+        <p:nvSpPr>
+          <p:cNvPr id="3" name="Content Placeholder 2">
+            <a:extLst>
+              <a:ext uri="{FF2B5EF4-FFF2-40B4-BE49-F238E27FC236}">
+                <a16:creationId xmlns:a16="http://schemas.microsoft.com/office/drawing/2014/main" id="{0A67C9AE-31A6-70EA-149D-C8C00C3EE703}"/>
+              </a:ext>
+            </a:extLst>
+          </p:cNvPr>
+          <p:cNvSpPr>
+            <a:spLocks noGrp="1"/>
+          </p:cNvSpPr>
+          <p:nvPr>
+            <p:ph idx="1"/>
+          </p:nvPr>
+        </p:nvSpPr>
+        <p:spPr/>
+        <p:txBody>
+          <a:bodyPr/>
+          <a:lstStyle/>
+          <a:p>
+            <a:r>
+              <a:rPr lang="en-US" dirty="0"/>
+              <a:t>You should already know me</a:t>
+            </a:r>
+          </a:p>
+        </p:txBody>
+      </p:sp>
+      <p:pic>
+        <p:nvPicPr>
+          <p:cNvPr id="1026" name="Picture 2">
+            <a:extLst>
+              <a:ext uri="{FF2B5EF4-FFF2-40B4-BE49-F238E27FC236}">
+                <a16:creationId xmlns:a16="http://schemas.microsoft.com/office/drawing/2014/main" id="{2CE8AB10-7C59-0B8D-B753-E50E3B92FFB0}"/>
+              </a:ext>
+            </a:extLst>
+          </p:cNvPr>
+          <p:cNvPicPr>
+            <a:picLocks noChangeAspect="1" noChangeArrowheads="1"/>
+          </p:cNvPicPr>
+          <p:nvPr/>
+        </p:nvPicPr>
+        <p:blipFill>
+          <a:blip r:embed="rId2">
+            <a:extLst>
+              <a:ext uri="{28A0092B-C50C-407E-A947-70E740481C1C}">
+                <a14:useLocalDpi xmlns:a14="http://schemas.microsoft.com/office/drawing/2010/main" val="0"/>
+              </a:ext>
+            </a:extLst>
+          </a:blip>
+          <a:srcRect/>
+          <a:stretch>
+            <a:fillRect/>
+          </a:stretch>
+        </p:blipFill>
+        <p:spPr bwMode="auto">
+          <a:xfrm>
+            <a:off x="4572702" y="1455876"/>
+            <a:ext cx="3035947" cy="2276961"/>
+          </a:xfrm>
+          <a:prstGeom prst="rect">
+            <a:avLst/>
+          </a:prstGeom>
+          <a:noFill/>
+          <a:extLst>
+            <a:ext uri="{909E8E84-426E-40DD-AFC4-6F175D3DCCD1}">
+              <a14:hiddenFill xmlns:a14="http://schemas.microsoft.com/office/drawing/2010/main">
+                <a:solidFill>
+                  <a:srgbClr val="FFFFFF"/>
+                </a:solidFill>
+              </a14:hiddenFill>
+            </a:ext>
+          </a:extLst>
+        </p:spPr>
+      </p:pic>
+    </p:spTree>
+    <p:extLst>
+      <p:ext uri="{BB962C8B-B14F-4D97-AF65-F5344CB8AC3E}">
+        <p14:creationId xmlns:p14="http://schemas.microsoft.com/office/powerpoint/2010/main" val="2168691034"/>
+      </p:ext>
+    </p:extLst>
+  </p:cSld>
+  <p:clrMapOvr>
+    <a:masterClrMapping/>
+  </p:clrMapOvr>
+</p:sld>
+</file>
+
+<file path=ppt/slides/slide20.xml><?xml version="1.0" encoding="utf-8"?>
 <p:sld xmlns:a="http://schemas.openxmlformats.org/drawingml/2006/main" xmlns:r="http://schemas.openxmlformats.org/officeDocument/2006/relationships" xmlns:p="http://schemas.openxmlformats.org/presentationml/2006/main">
   <p:cSld>
     <p:spTree>
@@ -12339,7 +12587,7 @@
 </p:sld>
 </file>
 
-<file path=ppt/slides/slide2.xml><?xml version="1.0" encoding="utf-8"?>
+<file path=ppt/slides/slide3.xml><?xml version="1.0" encoding="utf-8"?>
 <p:sld xmlns:a="http://schemas.openxmlformats.org/drawingml/2006/main" xmlns:r="http://schemas.openxmlformats.org/officeDocument/2006/relationships" xmlns:p="http://schemas.openxmlformats.org/presentationml/2006/main">
   <p:cSld>
     <p:bg>
@@ -12675,7 +12923,7 @@
 </p:sld>
 </file>
 
-<file path=ppt/slides/slide3.xml><?xml version="1.0" encoding="utf-8"?>
+<file path=ppt/slides/slide4.xml><?xml version="1.0" encoding="utf-8"?>
 <p:sld xmlns:a="http://schemas.openxmlformats.org/drawingml/2006/main" xmlns:r="http://schemas.openxmlformats.org/officeDocument/2006/relationships" xmlns:p="http://schemas.openxmlformats.org/presentationml/2006/main">
   <p:cSld>
     <p:bg>
@@ -12841,7 +13089,7 @@
 </p:sld>
 </file>
 
-<file path=ppt/slides/slide4.xml><?xml version="1.0" encoding="utf-8"?>
+<file path=ppt/slides/slide5.xml><?xml version="1.0" encoding="utf-8"?>
 <p:sld xmlns:a="http://schemas.openxmlformats.org/drawingml/2006/main" xmlns:r="http://schemas.openxmlformats.org/officeDocument/2006/relationships" xmlns:p="http://schemas.openxmlformats.org/presentationml/2006/main">
   <p:cSld>
     <p:spTree>
@@ -13018,7 +13266,7 @@
 </p:sld>
 </file>
 
-<file path=ppt/slides/slide5.xml><?xml version="1.0" encoding="utf-8"?>
+<file path=ppt/slides/slide6.xml><?xml version="1.0" encoding="utf-8"?>
 <p:sld xmlns:a="http://schemas.openxmlformats.org/drawingml/2006/main" xmlns:r="http://schemas.openxmlformats.org/officeDocument/2006/relationships" xmlns:p="http://schemas.openxmlformats.org/presentationml/2006/main">
   <p:cSld>
     <p:spTree>
@@ -13177,7 +13425,7 @@
 </p:sld>
 </file>
 
-<file path=ppt/slides/slide6.xml><?xml version="1.0" encoding="utf-8"?>
+<file path=ppt/slides/slide7.xml><?xml version="1.0" encoding="utf-8"?>
 <p:sld xmlns:a="http://schemas.openxmlformats.org/drawingml/2006/main" xmlns:r="http://schemas.openxmlformats.org/officeDocument/2006/relationships" xmlns:p="http://schemas.openxmlformats.org/presentationml/2006/main">
   <p:cSld>
     <p:bg>
@@ -13998,7 +14246,7 @@
 </p:sld>
 </file>
 
-<file path=ppt/slides/slide7.xml><?xml version="1.0" encoding="utf-8"?>
+<file path=ppt/slides/slide8.xml><?xml version="1.0" encoding="utf-8"?>
 <p:sld xmlns:a="http://schemas.openxmlformats.org/drawingml/2006/main" xmlns:r="http://schemas.openxmlformats.org/officeDocument/2006/relationships" xmlns:p="http://schemas.openxmlformats.org/presentationml/2006/main">
   <p:cSld>
     <p:spTree>
@@ -14075,7 +14323,7 @@
 </p:sld>
 </file>
 
-<file path=ppt/slides/slide8.xml><?xml version="1.0" encoding="utf-8"?>
+<file path=ppt/slides/slide9.xml><?xml version="1.0" encoding="utf-8"?>
 <p:sld xmlns:a="http://schemas.openxmlformats.org/drawingml/2006/main" xmlns:r="http://schemas.openxmlformats.org/officeDocument/2006/relationships" xmlns:p="http://schemas.openxmlformats.org/presentationml/2006/main">
   <p:cSld>
     <p:spTree>
@@ -14319,114 +14567,6 @@
     <p:extLst>
       <p:ext uri="{BB962C8B-B14F-4D97-AF65-F5344CB8AC3E}">
         <p14:creationId xmlns:p14="http://schemas.microsoft.com/office/powerpoint/2010/main" val="227333508"/>
-      </p:ext>
-    </p:extLst>
-  </p:cSld>
-  <p:clrMapOvr>
-    <a:masterClrMapping/>
-  </p:clrMapOvr>
-</p:sld>
-</file>
-
-<file path=ppt/slides/slide9.xml><?xml version="1.0" encoding="utf-8"?>
-<p:sld xmlns:a="http://schemas.openxmlformats.org/drawingml/2006/main" xmlns:r="http://schemas.openxmlformats.org/officeDocument/2006/relationships" xmlns:p="http://schemas.openxmlformats.org/presentationml/2006/main">
-  <p:cSld>
-    <p:spTree>
-      <p:nvGrpSpPr>
-        <p:cNvPr id="1" name=""/>
-        <p:cNvGrpSpPr/>
-        <p:nvPr/>
-      </p:nvGrpSpPr>
-      <p:grpSpPr>
-        <a:xfrm>
-          <a:off x="0" y="0"/>
-          <a:ext cx="0" cy="0"/>
-          <a:chOff x="0" y="0"/>
-          <a:chExt cx="0" cy="0"/>
-        </a:xfrm>
-      </p:grpSpPr>
-      <p:sp>
-        <p:nvSpPr>
-          <p:cNvPr id="2" name="Title 1">
-            <a:extLst>
-              <a:ext uri="{FF2B5EF4-FFF2-40B4-BE49-F238E27FC236}">
-                <a16:creationId xmlns:a16="http://schemas.microsoft.com/office/drawing/2014/main" id="{82ED268B-8BC8-197A-789E-3EB2E33D5A09}"/>
-              </a:ext>
-            </a:extLst>
-          </p:cNvPr>
-          <p:cNvSpPr>
-            <a:spLocks noGrp="1"/>
-          </p:cNvSpPr>
-          <p:nvPr>
-            <p:ph type="title"/>
-          </p:nvPr>
-        </p:nvSpPr>
-        <p:spPr/>
-        <p:txBody>
-          <a:bodyPr/>
-          <a:lstStyle/>
-          <a:p>
-            <a:r>
-              <a:rPr lang="en-US" dirty="0"/>
-              <a:t>Ansible Internal - Playbook</a:t>
-            </a:r>
-          </a:p>
-        </p:txBody>
-      </p:sp>
-      <p:sp>
-        <p:nvSpPr>
-          <p:cNvPr id="3" name="Content Placeholder 2">
-            <a:extLst>
-              <a:ext uri="{FF2B5EF4-FFF2-40B4-BE49-F238E27FC236}">
-                <a16:creationId xmlns:a16="http://schemas.microsoft.com/office/drawing/2014/main" id="{95B490B6-9D76-23B4-D162-40DD80811C17}"/>
-              </a:ext>
-            </a:extLst>
-          </p:cNvPr>
-          <p:cNvSpPr>
-            <a:spLocks noGrp="1"/>
-          </p:cNvSpPr>
-          <p:nvPr>
-            <p:ph idx="1"/>
-          </p:nvPr>
-        </p:nvSpPr>
-        <p:spPr>
-          <a:xfrm>
-            <a:off x="514351" y="2586038"/>
-            <a:ext cx="10131425" cy="2447925"/>
-          </a:xfrm>
-        </p:spPr>
-        <p:txBody>
-          <a:bodyPr>
-            <a:normAutofit/>
-          </a:bodyPr>
-          <a:lstStyle/>
-          <a:p>
-            <a:r>
-              <a:rPr lang="en-US" sz="2400" dirty="0"/>
-              <a:t>a file where users write Ansible code </a:t>
-            </a:r>
-          </a:p>
-          <a:p>
-            <a:r>
-              <a:rPr lang="en-US" sz="2400" dirty="0"/>
-              <a:t>describe a set of steps in YAML and jinja templating</a:t>
-            </a:r>
-          </a:p>
-          <a:p>
-            <a:r>
-              <a:rPr lang="en-US" sz="2400" dirty="0"/>
-              <a:t>an organized collection of scripts defining the Job</a:t>
-            </a:r>
-          </a:p>
-          <a:p>
-            <a:endParaRPr lang="en-US" sz="2400" dirty="0"/>
-          </a:p>
-        </p:txBody>
-      </p:sp>
-    </p:spTree>
-    <p:extLst>
-      <p:ext uri="{BB962C8B-B14F-4D97-AF65-F5344CB8AC3E}">
-        <p14:creationId xmlns:p14="http://schemas.microsoft.com/office/powerpoint/2010/main" val="2096226784"/>
       </p:ext>
     </p:extLst>
   </p:cSld>
